--- a/credit_default_model11-12.pptx
+++ b/credit_default_model11-12.pptx
@@ -137,6 +137,11 @@
       </a:defRPr>
     </a:lvl9pPr>
   </p:defaultTextStyle>
+  <p:extLst>
+    <p:ext uri="{EFAFB233-063F-42B5-8137-9DF3F51BA10A}">
+      <p15:sldGuideLst xmlns:p15="http://schemas.microsoft.com/office/powerpoint/2012/main"/>
+    </p:ext>
+  </p:extLst>
 </p:presentation>
 </file>
 
@@ -3376,9 +3381,18 @@
           <a:lstStyle/>
           <a:p>
             <a:r>
+              <a:rPr lang="en-US"/>
+              <a:t>Credit Default Risk </a:t>
+            </a:r>
+            <a:r>
               <a:rPr lang="en-US" dirty="0"/>
-              <a:t>Credit default risk model</a:t>
-            </a:r>
+              <a:t>M</a:t>
+            </a:r>
+            <a:r>
+              <a:rPr lang="en-US"/>
+              <a:t>odel</a:t>
+            </a:r>
+            <a:endParaRPr lang="en-US" dirty="0"/>
           </a:p>
         </p:txBody>
       </p:sp>
@@ -3677,8 +3691,8 @@
           </a:prstGeom>
         </p:spPr>
       </p:pic>
-      <mc:AlternateContent xmlns:mc="http://schemas.openxmlformats.org/markup-compatibility/2006">
-        <mc:Choice xmlns:a14="http://schemas.microsoft.com/office/drawing/2010/main" Requires="a14">
+      <mc:AlternateContent xmlns:mc="http://schemas.openxmlformats.org/markup-compatibility/2006" xmlns:a14="http://schemas.microsoft.com/office/drawing/2010/main">
+        <mc:Choice Requires="a14">
           <p:sp>
             <p:nvSpPr>
               <p:cNvPr id="9" name="TextBox 8">
@@ -3752,13 +3766,7 @@
                           <a:rPr lang="en-US" sz="1800" b="0" i="1" smtClean="0">
                             <a:latin typeface="Cambria Math" panose="02040503050406030204" pitchFamily="18" charset="0"/>
                           </a:rPr>
-                          <m:t>, </m:t>
-                        </m:r>
-                        <m:r>
-                          <a:rPr lang="en-US" sz="1800" b="0" i="1" smtClean="0">
-                            <a:latin typeface="Cambria Math" panose="02040503050406030204" pitchFamily="18" charset="0"/>
-                          </a:rPr>
-                          <m:t> </m:t>
+                          <m:t>,  </m:t>
                         </m:r>
                         <m:r>
                           <m:rPr>
@@ -3881,7 +3889,7 @@
             </p:txBody>
           </p:sp>
         </mc:Choice>
-        <mc:Fallback>
+        <mc:Fallback xmlns="">
           <p:sp>
             <p:nvSpPr>
               <p:cNvPr id="9" name="TextBox 8">
@@ -3926,8 +3934,8 @@
           </p:sp>
         </mc:Fallback>
       </mc:AlternateContent>
-      <mc:AlternateContent xmlns:mc="http://schemas.openxmlformats.org/markup-compatibility/2006">
-        <mc:Choice xmlns:a14="http://schemas.microsoft.com/office/drawing/2010/main" Requires="a14">
+      <mc:AlternateContent xmlns:mc="http://schemas.openxmlformats.org/markup-compatibility/2006" xmlns:a14="http://schemas.microsoft.com/office/drawing/2010/main">
+        <mc:Choice Requires="a14">
           <p:sp>
             <p:nvSpPr>
               <p:cNvPr id="10" name="TextBox 9">
@@ -4218,7 +4226,7 @@
             </p:txBody>
           </p:sp>
         </mc:Choice>
-        <mc:Fallback>
+        <mc:Fallback xmlns="">
           <p:sp>
             <p:nvSpPr>
               <p:cNvPr id="10" name="TextBox 9">
@@ -4321,8 +4329,8 @@
           </a:p>
         </p:txBody>
       </p:sp>
-      <mc:AlternateContent xmlns:mc="http://schemas.openxmlformats.org/markup-compatibility/2006">
-        <mc:Choice xmlns:a14="http://schemas.microsoft.com/office/drawing/2010/main" Requires="a14">
+      <mc:AlternateContent xmlns:mc="http://schemas.openxmlformats.org/markup-compatibility/2006" xmlns:a14="http://schemas.microsoft.com/office/drawing/2010/main">
+        <mc:Choice Requires="a14">
           <p:sp>
             <p:nvSpPr>
               <p:cNvPr id="4" name="Content Placeholder 3">
@@ -5647,7 +5655,7 @@
             </p:txBody>
           </p:sp>
         </mc:Choice>
-        <mc:Fallback>
+        <mc:Fallback xmlns="">
           <p:sp>
             <p:nvSpPr>
               <p:cNvPr id="4" name="Content Placeholder 3">
@@ -6250,8 +6258,8 @@
           </a:p>
         </p:txBody>
       </p:sp>
-      <mc:AlternateContent xmlns:mc="http://schemas.openxmlformats.org/markup-compatibility/2006">
-        <mc:Choice xmlns:a14="http://schemas.microsoft.com/office/drawing/2010/main" Requires="a14">
+      <mc:AlternateContent xmlns:mc="http://schemas.openxmlformats.org/markup-compatibility/2006" xmlns:a14="http://schemas.microsoft.com/office/drawing/2010/main">
+        <mc:Choice Requires="a14">
           <p:sp>
             <p:nvSpPr>
               <p:cNvPr id="14" name="Rectangle: Rounded Corners 13">
@@ -6320,7 +6328,7 @@
             </p:txBody>
           </p:sp>
         </mc:Choice>
-        <mc:Fallback>
+        <mc:Fallback xmlns="">
           <p:sp>
             <p:nvSpPr>
               <p:cNvPr id="14" name="Rectangle: Rounded Corners 13">
@@ -6365,8 +6373,8 @@
           </p:sp>
         </mc:Fallback>
       </mc:AlternateContent>
-      <mc:AlternateContent xmlns:mc="http://schemas.openxmlformats.org/markup-compatibility/2006">
-        <mc:Choice xmlns:a14="http://schemas.microsoft.com/office/drawing/2010/main" Requires="a14">
+      <mc:AlternateContent xmlns:mc="http://schemas.openxmlformats.org/markup-compatibility/2006" xmlns:a14="http://schemas.microsoft.com/office/drawing/2010/main">
+        <mc:Choice Requires="a14">
           <p:sp>
             <p:nvSpPr>
               <p:cNvPr id="15" name="Rectangle: Rounded Corners 14">
@@ -6428,7 +6436,7 @@
             </p:txBody>
           </p:sp>
         </mc:Choice>
-        <mc:Fallback>
+        <mc:Fallback xmlns="">
           <p:sp>
             <p:nvSpPr>
               <p:cNvPr id="15" name="Rectangle: Rounded Corners 14">
@@ -6473,8 +6481,8 @@
           </p:sp>
         </mc:Fallback>
       </mc:AlternateContent>
-      <mc:AlternateContent xmlns:mc="http://schemas.openxmlformats.org/markup-compatibility/2006">
-        <mc:Choice xmlns:a14="http://schemas.microsoft.com/office/drawing/2010/main" Requires="a14">
+      <mc:AlternateContent xmlns:mc="http://schemas.openxmlformats.org/markup-compatibility/2006" xmlns:a14="http://schemas.microsoft.com/office/drawing/2010/main">
+        <mc:Choice Requires="a14">
           <p:sp>
             <p:nvSpPr>
               <p:cNvPr id="19" name="Rectangle: Rounded Corners 18">
@@ -6543,7 +6551,7 @@
             </p:txBody>
           </p:sp>
         </mc:Choice>
-        <mc:Fallback>
+        <mc:Fallback xmlns="">
           <p:sp>
             <p:nvSpPr>
               <p:cNvPr id="19" name="Rectangle: Rounded Corners 18">
@@ -6588,8 +6596,8 @@
           </p:sp>
         </mc:Fallback>
       </mc:AlternateContent>
-      <mc:AlternateContent xmlns:mc="http://schemas.openxmlformats.org/markup-compatibility/2006">
-        <mc:Choice xmlns:a14="http://schemas.microsoft.com/office/drawing/2010/main" Requires="a14">
+      <mc:AlternateContent xmlns:mc="http://schemas.openxmlformats.org/markup-compatibility/2006" xmlns:a14="http://schemas.microsoft.com/office/drawing/2010/main">
+        <mc:Choice Requires="a14">
           <p:sp>
             <p:nvSpPr>
               <p:cNvPr id="26" name="Oval 25">
@@ -6629,7 +6637,6 @@
               <a:bodyPr rtlCol="0" anchor="ctr"/>
               <a:lstStyle/>
               <a:p>
-                <a:pPr/>
                 <a:r>
                   <a:rPr lang="en-US" dirty="0"/>
                   <a:t>Non-linear function, monotone increasing in </a:t>
@@ -6649,7 +6656,7 @@
             </p:txBody>
           </p:sp>
         </mc:Choice>
-        <mc:Fallback>
+        <mc:Fallback xmlns="">
           <p:sp>
             <p:nvSpPr>
               <p:cNvPr id="26" name="Oval 25">
@@ -7156,8 +7163,8 @@
           </a:p>
         </p:txBody>
       </p:sp>
-      <mc:AlternateContent xmlns:mc="http://schemas.openxmlformats.org/markup-compatibility/2006">
-        <mc:Choice xmlns:a14="http://schemas.microsoft.com/office/drawing/2010/main" Requires="a14">
+      <mc:AlternateContent xmlns:mc="http://schemas.openxmlformats.org/markup-compatibility/2006" xmlns:a14="http://schemas.microsoft.com/office/drawing/2010/main">
+        <mc:Choice Requires="a14">
           <p:sp>
             <p:nvSpPr>
               <p:cNvPr id="41" name="TextBox 40">
@@ -7270,7 +7277,7 @@
             </p:txBody>
           </p:sp>
         </mc:Choice>
-        <mc:Fallback>
+        <mc:Fallback xmlns="">
           <p:sp>
             <p:nvSpPr>
               <p:cNvPr id="41" name="TextBox 40">
@@ -7315,8 +7322,8 @@
           </p:sp>
         </mc:Fallback>
       </mc:AlternateContent>
-      <mc:AlternateContent xmlns:mc="http://schemas.openxmlformats.org/markup-compatibility/2006">
-        <mc:Choice xmlns:a14="http://schemas.microsoft.com/office/drawing/2010/main" Requires="a14">
+      <mc:AlternateContent xmlns:mc="http://schemas.openxmlformats.org/markup-compatibility/2006" xmlns:a14="http://schemas.microsoft.com/office/drawing/2010/main">
+        <mc:Choice Requires="a14">
           <p:sp>
             <p:nvSpPr>
               <p:cNvPr id="44" name="TextBox 43">
@@ -7433,7 +7440,7 @@
             </p:txBody>
           </p:sp>
         </mc:Choice>
-        <mc:Fallback>
+        <mc:Fallback xmlns="">
           <p:sp>
             <p:nvSpPr>
               <p:cNvPr id="44" name="TextBox 43">
@@ -7483,8 +7490,8 @@
           </p:sp>
         </mc:Fallback>
       </mc:AlternateContent>
-      <mc:AlternateContent xmlns:mc="http://schemas.openxmlformats.org/markup-compatibility/2006">
-        <mc:Choice xmlns:a14="http://schemas.microsoft.com/office/drawing/2010/main" Requires="a14">
+      <mc:AlternateContent xmlns:mc="http://schemas.openxmlformats.org/markup-compatibility/2006" xmlns:a14="http://schemas.microsoft.com/office/drawing/2010/main">
+        <mc:Choice Requires="a14">
           <p:sp>
             <p:nvSpPr>
               <p:cNvPr id="45" name="TextBox 44">
@@ -7583,7 +7590,7 @@
             </p:txBody>
           </p:sp>
         </mc:Choice>
-        <mc:Fallback>
+        <mc:Fallback xmlns="">
           <p:sp>
             <p:nvSpPr>
               <p:cNvPr id="45" name="TextBox 44">
@@ -7675,8 +7682,8 @@
           </a:p>
         </p:txBody>
       </p:sp>
-      <mc:AlternateContent xmlns:mc="http://schemas.openxmlformats.org/markup-compatibility/2006">
-        <mc:Choice xmlns:a14="http://schemas.microsoft.com/office/drawing/2010/main" Requires="a14">
+      <mc:AlternateContent xmlns:mc="http://schemas.openxmlformats.org/markup-compatibility/2006" xmlns:a14="http://schemas.microsoft.com/office/drawing/2010/main">
+        <mc:Choice Requires="a14">
           <p:sp>
             <p:nvSpPr>
               <p:cNvPr id="48" name="TextBox 47">
@@ -7820,7 +7827,7 @@
             </p:txBody>
           </p:sp>
         </mc:Choice>
-        <mc:Fallback>
+        <mc:Fallback xmlns="">
           <p:sp>
             <p:nvSpPr>
               <p:cNvPr id="48" name="TextBox 47">
@@ -7900,8 +7907,8 @@
           </a:p>
         </p:txBody>
       </p:sp>
-      <mc:AlternateContent xmlns:mc="http://schemas.openxmlformats.org/markup-compatibility/2006">
-        <mc:Choice xmlns:a14="http://schemas.microsoft.com/office/drawing/2010/main" Requires="a14">
+      <mc:AlternateContent xmlns:mc="http://schemas.openxmlformats.org/markup-compatibility/2006" xmlns:a14="http://schemas.microsoft.com/office/drawing/2010/main">
+        <mc:Choice Requires="a14">
           <p:sp>
             <p:nvSpPr>
               <p:cNvPr id="64" name="Oval 63">
@@ -7971,7 +7978,7 @@
             </p:txBody>
           </p:sp>
         </mc:Choice>
-        <mc:Fallback>
+        <mc:Fallback xmlns="">
           <p:sp>
             <p:nvSpPr>
               <p:cNvPr id="64" name="Oval 63">
@@ -8102,8 +8109,8 @@
           </a:p>
         </p:txBody>
       </p:sp>
-      <mc:AlternateContent xmlns:mc="http://schemas.openxmlformats.org/markup-compatibility/2006">
-        <mc:Choice xmlns:a14="http://schemas.microsoft.com/office/drawing/2010/main" Requires="a14">
+      <mc:AlternateContent xmlns:mc="http://schemas.openxmlformats.org/markup-compatibility/2006" xmlns:a14="http://schemas.microsoft.com/office/drawing/2010/main">
+        <mc:Choice Requires="a14">
           <p:sp>
             <p:nvSpPr>
               <p:cNvPr id="102" name="TextBox 101">
@@ -8200,7 +8207,7 @@
             </p:txBody>
           </p:sp>
         </mc:Choice>
-        <mc:Fallback>
+        <mc:Fallback xmlns="">
           <p:sp>
             <p:nvSpPr>
               <p:cNvPr id="102" name="TextBox 101">
@@ -10358,8 +10365,8 @@
           </a:p>
         </p:txBody>
       </p:sp>
-      <mc:AlternateContent xmlns:mc="http://schemas.openxmlformats.org/markup-compatibility/2006">
-        <mc:Choice xmlns:a14="http://schemas.microsoft.com/office/drawing/2010/main" Requires="a14">
+      <mc:AlternateContent xmlns:mc="http://schemas.openxmlformats.org/markup-compatibility/2006" xmlns:a14="http://schemas.microsoft.com/office/drawing/2010/main">
+        <mc:Choice Requires="a14">
           <p:sp>
             <p:nvSpPr>
               <p:cNvPr id="3" name="Content Placeholder 2">
@@ -11165,7 +11172,7 @@
             </p:txBody>
           </p:sp>
         </mc:Choice>
-        <mc:Fallback>
+        <mc:Fallback xmlns="">
           <p:sp>
             <p:nvSpPr>
               <p:cNvPr id="3" name="Content Placeholder 2">
@@ -11358,8 +11365,8 @@
           </a:p>
         </p:txBody>
       </p:sp>
-      <mc:AlternateContent xmlns:mc="http://schemas.openxmlformats.org/markup-compatibility/2006">
-        <mc:Choice xmlns:a14="http://schemas.microsoft.com/office/drawing/2010/main" Requires="a14">
+      <mc:AlternateContent xmlns:mc="http://schemas.openxmlformats.org/markup-compatibility/2006" xmlns:a14="http://schemas.microsoft.com/office/drawing/2010/main">
+        <mc:Choice Requires="a14">
           <p:sp>
             <p:nvSpPr>
               <p:cNvPr id="3" name="Content Placeholder 2">
@@ -11726,7 +11733,7 @@
             </p:txBody>
           </p:sp>
         </mc:Choice>
-        <mc:Fallback>
+        <mc:Fallback xmlns="">
           <p:sp>
             <p:nvSpPr>
               <p:cNvPr id="3" name="Content Placeholder 2">
@@ -11994,8 +12001,8 @@
           </a:p>
         </p:txBody>
       </p:sp>
-      <mc:AlternateContent xmlns:mc="http://schemas.openxmlformats.org/markup-compatibility/2006">
-        <mc:Choice xmlns:a14="http://schemas.microsoft.com/office/drawing/2010/main" Requires="a14">
+      <mc:AlternateContent xmlns:mc="http://schemas.openxmlformats.org/markup-compatibility/2006" xmlns:a14="http://schemas.microsoft.com/office/drawing/2010/main">
+        <mc:Choice Requires="a14">
           <p:graphicFrame>
             <p:nvGraphicFramePr>
               <p:cNvPr id="12" name="Table 12">
@@ -12019,7 +12026,7 @@
             </p:nvGraphicFramePr>
             <p:xfrm>
               <a:off x="160510" y="2529179"/>
-              <a:ext cx="5919753" cy="1882663"/>
+              <a:ext cx="5919753" cy="2387626"/>
             </p:xfrm>
             <a:graphic>
               <a:graphicData uri="http://schemas.openxmlformats.org/drawingml/2006/table">
@@ -12334,7 +12341,7 @@
                                 <a:rPr lang="en-US" b="0" i="0" smtClean="0">
                                   <a:latin typeface="Cambria Math" panose="02040503050406030204" pitchFamily="18" charset="0"/>
                                 </a:rPr>
-                                <m:t>-</m:t>
+                                <m:t>−</m:t>
                               </m:r>
                               <m:r>
                                 <m:rPr>
@@ -12494,7 +12501,7 @@
                                 <a:rPr lang="en-US" b="0" i="0" smtClean="0">
                                   <a:latin typeface="Cambria Math" panose="02040503050406030204" pitchFamily="18" charset="0"/>
                                 </a:rPr>
-                                <m:t>-</m:t>
+                                <m:t>−</m:t>
                               </m:r>
                               <m:r>
                                 <m:rPr>
@@ -12537,7 +12544,6 @@
                         <a:bodyPr/>
                         <a:lstStyle/>
                         <a:p>
-                          <a:pPr/>
                           <a:r>
                             <a:rPr lang="en-US" dirty="0"/>
                             <a:t>Base score</a:t>
@@ -12628,7 +12634,7 @@
             </a:graphic>
           </p:graphicFrame>
         </mc:Choice>
-        <mc:Fallback>
+        <mc:Fallback xmlns="">
           <p:graphicFrame>
             <p:nvGraphicFramePr>
               <p:cNvPr id="12" name="Table 12">
@@ -13124,8 +13130,8 @@
           </a:p>
         </p:txBody>
       </p:sp>
-      <mc:AlternateContent xmlns:mc="http://schemas.openxmlformats.org/markup-compatibility/2006">
-        <mc:Choice xmlns:a14="http://schemas.microsoft.com/office/drawing/2010/main" Requires="a14">
+      <mc:AlternateContent xmlns:mc="http://schemas.openxmlformats.org/markup-compatibility/2006" xmlns:a14="http://schemas.microsoft.com/office/drawing/2010/main">
+        <mc:Choice Requires="a14">
           <p:graphicFrame>
             <p:nvGraphicFramePr>
               <p:cNvPr id="15" name="Table 12">
@@ -13756,7 +13762,7 @@
             </a:graphic>
           </p:graphicFrame>
         </mc:Choice>
-        <mc:Fallback>
+        <mc:Fallback xmlns="">
           <p:graphicFrame>
             <p:nvGraphicFramePr>
               <p:cNvPr id="15" name="Table 12">
@@ -14242,8 +14248,8 @@
           </a:p>
         </p:txBody>
       </p:sp>
-      <mc:AlternateContent xmlns:mc="http://schemas.openxmlformats.org/markup-compatibility/2006">
-        <mc:Choice xmlns:a14="http://schemas.microsoft.com/office/drawing/2010/main" Requires="a14">
+      <mc:AlternateContent xmlns:mc="http://schemas.openxmlformats.org/markup-compatibility/2006" xmlns:a14="http://schemas.microsoft.com/office/drawing/2010/main">
+        <mc:Choice Requires="a14">
           <p:graphicFrame>
             <p:nvGraphicFramePr>
               <p:cNvPr id="17" name="Table 17">
@@ -14512,7 +14518,7 @@
             </a:graphic>
           </p:graphicFrame>
         </mc:Choice>
-        <mc:Fallback>
+        <mc:Fallback xmlns="">
           <p:graphicFrame>
             <p:nvGraphicFramePr>
               <p:cNvPr id="17" name="Table 17">
@@ -14765,8 +14771,8 @@
           </a:p>
         </p:txBody>
       </p:sp>
-      <mc:AlternateContent xmlns:mc="http://schemas.openxmlformats.org/markup-compatibility/2006">
-        <mc:Choice xmlns:a14="http://schemas.microsoft.com/office/drawing/2010/main" Requires="a14">
+      <mc:AlternateContent xmlns:mc="http://schemas.openxmlformats.org/markup-compatibility/2006" xmlns:a14="http://schemas.microsoft.com/office/drawing/2010/main">
+        <mc:Choice Requires="a14">
           <p:graphicFrame>
             <p:nvGraphicFramePr>
               <p:cNvPr id="19" name="Table 17">
@@ -15035,7 +15041,7 @@
             </a:graphic>
           </p:graphicFrame>
         </mc:Choice>
-        <mc:Fallback>
+        <mc:Fallback xmlns="">
           <p:graphicFrame>
             <p:nvGraphicFramePr>
               <p:cNvPr id="19" name="Table 17">
@@ -17644,8 +17650,8 @@
           </a:p>
         </p:txBody>
       </p:sp>
-      <mc:AlternateContent xmlns:mc="http://schemas.openxmlformats.org/markup-compatibility/2006">
-        <mc:Choice xmlns:a14="http://schemas.microsoft.com/office/drawing/2010/main" Requires="a14">
+      <mc:AlternateContent xmlns:mc="http://schemas.openxmlformats.org/markup-compatibility/2006" xmlns:a14="http://schemas.microsoft.com/office/drawing/2010/main">
+        <mc:Choice Requires="a14">
           <p:sp>
             <p:nvSpPr>
               <p:cNvPr id="3" name="Content Placeholder 2">
@@ -17809,7 +17815,7 @@
             </p:txBody>
           </p:sp>
         </mc:Choice>
-        <mc:Fallback>
+        <mc:Fallback xmlns="">
           <p:sp>
             <p:nvSpPr>
               <p:cNvPr id="3" name="Content Placeholder 2">
@@ -18331,8 +18337,8 @@
           </a:p>
         </p:txBody>
       </p:sp>
-      <mc:AlternateContent xmlns:mc="http://schemas.openxmlformats.org/markup-compatibility/2006">
-        <mc:Choice xmlns:a14="http://schemas.microsoft.com/office/drawing/2010/main" Requires="a14">
+      <mc:AlternateContent xmlns:mc="http://schemas.openxmlformats.org/markup-compatibility/2006" xmlns:a14="http://schemas.microsoft.com/office/drawing/2010/main">
+        <mc:Choice Requires="a14">
           <p:sp>
             <p:nvSpPr>
               <p:cNvPr id="3" name="Content Placeholder 2">
@@ -18633,7 +18639,7 @@
             </p:txBody>
           </p:sp>
         </mc:Choice>
-        <mc:Fallback>
+        <mc:Fallback xmlns="">
           <p:sp>
             <p:nvSpPr>
               <p:cNvPr id="3" name="Content Placeholder 2">
@@ -18735,8 +18741,8 @@
           </a:p>
         </p:txBody>
       </p:sp>
-      <mc:AlternateContent xmlns:mc="http://schemas.openxmlformats.org/markup-compatibility/2006">
-        <mc:Choice xmlns:a14="http://schemas.microsoft.com/office/drawing/2010/main" Requires="a14">
+      <mc:AlternateContent xmlns:mc="http://schemas.openxmlformats.org/markup-compatibility/2006" xmlns:a14="http://schemas.microsoft.com/office/drawing/2010/main">
+        <mc:Choice Requires="a14">
           <p:sp>
             <p:nvSpPr>
               <p:cNvPr id="3" name="Content Placeholder 2">
@@ -18854,7 +18860,7 @@
             </p:txBody>
           </p:sp>
         </mc:Choice>
-        <mc:Fallback>
+        <mc:Fallback xmlns="">
           <p:sp>
             <p:nvSpPr>
               <p:cNvPr id="3" name="Content Placeholder 2">
@@ -18952,8 +18958,8 @@
           </a:p>
         </p:txBody>
       </p:sp>
-      <mc:AlternateContent xmlns:mc="http://schemas.openxmlformats.org/markup-compatibility/2006">
-        <mc:Choice xmlns:a14="http://schemas.microsoft.com/office/drawing/2010/main" Requires="a14">
+      <mc:AlternateContent xmlns:mc="http://schemas.openxmlformats.org/markup-compatibility/2006" xmlns:a14="http://schemas.microsoft.com/office/drawing/2010/main">
+        <mc:Choice Requires="a14">
           <p:graphicFrame>
             <p:nvGraphicFramePr>
               <p:cNvPr id="7" name="Table 7">
@@ -19128,6 +19134,7 @@
                         <a:bodyPr/>
                         <a:lstStyle/>
                         <a:p>
+                          <a:pPr/>
                           <a14:m>
                             <m:oMathPara xmlns:m="http://schemas.openxmlformats.org/officeDocument/2006/math">
                               <m:oMathParaPr>
@@ -19230,6 +19237,7 @@
                         <a:bodyPr/>
                         <a:lstStyle/>
                         <a:p>
+                          <a:pPr/>
                           <a14:m>
                             <m:oMathPara xmlns:m="http://schemas.openxmlformats.org/officeDocument/2006/math">
                               <m:oMathParaPr>
@@ -19318,6 +19326,7 @@
                         <a:bodyPr/>
                         <a:lstStyle/>
                         <a:p>
+                          <a:pPr/>
                           <a14:m>
                             <m:oMathPara xmlns:m="http://schemas.openxmlformats.org/officeDocument/2006/math">
                               <m:oMathParaPr>
@@ -19389,6 +19398,7 @@
                         <a:bodyPr/>
                         <a:lstStyle/>
                         <a:p>
+                          <a:pPr/>
                           <a14:m>
                             <m:oMathPara xmlns:m="http://schemas.openxmlformats.org/officeDocument/2006/math">
                               <m:oMathParaPr>
@@ -19480,7 +19490,7 @@
             </a:graphic>
           </p:graphicFrame>
         </mc:Choice>
-        <mc:Fallback>
+        <mc:Fallback xmlns="">
           <p:graphicFrame>
             <p:nvGraphicFramePr>
               <p:cNvPr id="7" name="Table 7">
